--- a/example.pptx
+++ b/example.pptx
@@ -9,9 +9,16 @@
     <p:sldId id="257" r:id="rId3"/>
     <p:sldId id="258" r:id="rId4"/>
     <p:sldId id="259" r:id="rId5"/>
+    <p:sldId id="260" r:id="rId6"/>
+    <p:sldId id="261" r:id="rId7"/>
+    <p:sldId id="262" r:id="rId8"/>
+    <p:sldId id="263" r:id="rId9"/>
+    <p:sldId id="264" r:id="rId10"/>
+    <p:sldId id="265" r:id="rId11"/>
+    <p:sldId id="266" r:id="rId12"/>
   </p:sldIdLst>
   <p:notesMasterIdLst>
-    <p:notesMasterId r:id="rId6"/>
+    <p:notesMasterId r:id="rId13"/>
   </p:notesMasterIdLst>
   <p:sldSz cx="9144000" cy="5143500"/>
   <p:notesSz cx="5143500" cy="9144000"/>
@@ -547,6 +554,182 @@
 </p:notes>
 </file>
 
+<file path=ppt/notesSlides/notesSlide10.xml><?xml version="1.0" encoding="utf-8"?>
+<p:notes xmlns:a="http://schemas.openxmlformats.org/drawingml/2006/main" xmlns:r="http://schemas.openxmlformats.org/officeDocument/2006/relationships" xmlns:p="http://schemas.openxmlformats.org/presentationml/2006/main">
+  <p:cSld>
+    <p:spTree>
+      <p:nvGrpSpPr>
+        <p:cNvPr id="1" name=""/>
+        <p:cNvGrpSpPr/>
+        <p:nvPr/>
+      </p:nvGrpSpPr>
+      <p:grpSpPr>
+        <a:xfrm>
+          <a:off x="0" y="0"/>
+          <a:ext cx="0" cy="0"/>
+          <a:chOff x="0" y="0"/>
+          <a:chExt cx="0" cy="0"/>
+        </a:xfrm>
+      </p:grpSpPr>
+      <p:sp>
+        <p:nvSpPr>
+          <p:cNvPr id="2" name="Slide Image Placeholder 1"/>
+          <p:cNvSpPr>
+            <a:spLocks noGrp="1" noRot="1" noChangeAspect="1"/>
+          </p:cNvSpPr>
+          <p:nvPr>
+            <p:ph type="sldImg"/>
+          </p:nvPr>
+        </p:nvSpPr>
+        <p:spPr/>
+      </p:sp>
+      <p:sp>
+        <p:nvSpPr>
+          <p:cNvPr id="3" name="Notes Placeholder 2"/>
+          <p:cNvSpPr>
+            <a:spLocks noGrp="1"/>
+          </p:cNvSpPr>
+          <p:nvPr>
+            <p:ph type="body" idx="1"/>
+          </p:nvPr>
+        </p:nvSpPr>
+        <p:spPr/>
+        <p:txBody>
+          <a:bodyPr/>
+          <a:lstStyle/>
+          <a:p>
+            <a:r>
+              <a:rPr lang="en-US" dirty="0"/>
+              <a:t/>
+            </a:r>
+            <a:endParaRPr lang="en-US" dirty="0"/>
+          </a:p>
+        </p:txBody>
+      </p:sp>
+      <p:sp>
+        <p:nvSpPr>
+          <p:cNvPr id="4" name="Slide Number Placeholder 3"/>
+          <p:cNvSpPr>
+            <a:spLocks noGrp="1"/>
+          </p:cNvSpPr>
+          <p:nvPr>
+            <p:ph type="sldNum" sz="quarter" idx="10"/>
+          </p:nvPr>
+        </p:nvSpPr>
+        <p:spPr/>
+        <p:txBody>
+          <a:bodyPr/>
+          <a:lstStyle/>
+          <a:p>
+            <a:fld id="{F7021451-1387-4CA6-816F-3879F97B5CBC}" type="slidenum">
+              <a:rPr lang="en-US"/>
+              <a:t>10</a:t>
+            </a:fld>
+            <a:endParaRPr lang="en-US"/>
+          </a:p>
+        </p:txBody>
+      </p:sp>
+    </p:spTree>
+    <p:extLst>
+      <p:ext uri="{BB962C8B-B14F-4D97-AF65-F5344CB8AC3E}">
+        <p14:creationId xmlns:p14="http://schemas.microsoft.com/office/powerpoint/2010/main" val="1024086991"/>
+      </p:ext>
+    </p:extLst>
+  </p:cSld>
+  <p:clrMapOvr>
+    <a:masterClrMapping/>
+  </p:clrMapOvr>
+</p:notes>
+</file>
+
+<file path=ppt/notesSlides/notesSlide11.xml><?xml version="1.0" encoding="utf-8"?>
+<p:notes xmlns:a="http://schemas.openxmlformats.org/drawingml/2006/main" xmlns:r="http://schemas.openxmlformats.org/officeDocument/2006/relationships" xmlns:p="http://schemas.openxmlformats.org/presentationml/2006/main">
+  <p:cSld>
+    <p:spTree>
+      <p:nvGrpSpPr>
+        <p:cNvPr id="1" name=""/>
+        <p:cNvGrpSpPr/>
+        <p:nvPr/>
+      </p:nvGrpSpPr>
+      <p:grpSpPr>
+        <a:xfrm>
+          <a:off x="0" y="0"/>
+          <a:ext cx="0" cy="0"/>
+          <a:chOff x="0" y="0"/>
+          <a:chExt cx="0" cy="0"/>
+        </a:xfrm>
+      </p:grpSpPr>
+      <p:sp>
+        <p:nvSpPr>
+          <p:cNvPr id="2" name="Slide Image Placeholder 1"/>
+          <p:cNvSpPr>
+            <a:spLocks noGrp="1" noRot="1" noChangeAspect="1"/>
+          </p:cNvSpPr>
+          <p:nvPr>
+            <p:ph type="sldImg"/>
+          </p:nvPr>
+        </p:nvSpPr>
+        <p:spPr/>
+      </p:sp>
+      <p:sp>
+        <p:nvSpPr>
+          <p:cNvPr id="3" name="Notes Placeholder 2"/>
+          <p:cNvSpPr>
+            <a:spLocks noGrp="1"/>
+          </p:cNvSpPr>
+          <p:nvPr>
+            <p:ph type="body" idx="1"/>
+          </p:nvPr>
+        </p:nvSpPr>
+        <p:spPr/>
+        <p:txBody>
+          <a:bodyPr/>
+          <a:lstStyle/>
+          <a:p>
+            <a:r>
+              <a:rPr lang="en-US" dirty="0"/>
+              <a:t/>
+            </a:r>
+            <a:endParaRPr lang="en-US" dirty="0"/>
+          </a:p>
+        </p:txBody>
+      </p:sp>
+      <p:sp>
+        <p:nvSpPr>
+          <p:cNvPr id="4" name="Slide Number Placeholder 3"/>
+          <p:cNvSpPr>
+            <a:spLocks noGrp="1"/>
+          </p:cNvSpPr>
+          <p:nvPr>
+            <p:ph type="sldNum" sz="quarter" idx="10"/>
+          </p:nvPr>
+        </p:nvSpPr>
+        <p:spPr/>
+        <p:txBody>
+          <a:bodyPr/>
+          <a:lstStyle/>
+          <a:p>
+            <a:fld id="{F7021451-1387-4CA6-816F-3879F97B5CBC}" type="slidenum">
+              <a:rPr lang="en-US"/>
+              <a:t>11</a:t>
+            </a:fld>
+            <a:endParaRPr lang="en-US"/>
+          </a:p>
+        </p:txBody>
+      </p:sp>
+    </p:spTree>
+    <p:extLst>
+      <p:ext uri="{BB962C8B-B14F-4D97-AF65-F5344CB8AC3E}">
+        <p14:creationId xmlns:p14="http://schemas.microsoft.com/office/powerpoint/2010/main" val="1024086991"/>
+      </p:ext>
+    </p:extLst>
+  </p:cSld>
+  <p:clrMapOvr>
+    <a:masterClrMapping/>
+  </p:clrMapOvr>
+</p:notes>
+</file>
+
 <file path=ppt/notesSlides/notesSlide2.xml><?xml version="1.0" encoding="utf-8"?>
 <p:notes xmlns:a="http://schemas.openxmlformats.org/drawingml/2006/main" xmlns:r="http://schemas.openxmlformats.org/officeDocument/2006/relationships" xmlns:p="http://schemas.openxmlformats.org/presentationml/2006/main">
   <p:cSld>
@@ -793,6 +976,446 @@
             <a:fld id="{F7021451-1387-4CA6-816F-3879F97B5CBC}" type="slidenum">
               <a:rPr lang="en-US"/>
               <a:t>4</a:t>
+            </a:fld>
+            <a:endParaRPr lang="en-US"/>
+          </a:p>
+        </p:txBody>
+      </p:sp>
+    </p:spTree>
+    <p:extLst>
+      <p:ext uri="{BB962C8B-B14F-4D97-AF65-F5344CB8AC3E}">
+        <p14:creationId xmlns:p14="http://schemas.microsoft.com/office/powerpoint/2010/main" val="1024086991"/>
+      </p:ext>
+    </p:extLst>
+  </p:cSld>
+  <p:clrMapOvr>
+    <a:masterClrMapping/>
+  </p:clrMapOvr>
+</p:notes>
+</file>
+
+<file path=ppt/notesSlides/notesSlide5.xml><?xml version="1.0" encoding="utf-8"?>
+<p:notes xmlns:a="http://schemas.openxmlformats.org/drawingml/2006/main" xmlns:r="http://schemas.openxmlformats.org/officeDocument/2006/relationships" xmlns:p="http://schemas.openxmlformats.org/presentationml/2006/main">
+  <p:cSld>
+    <p:spTree>
+      <p:nvGrpSpPr>
+        <p:cNvPr id="1" name=""/>
+        <p:cNvGrpSpPr/>
+        <p:nvPr/>
+      </p:nvGrpSpPr>
+      <p:grpSpPr>
+        <a:xfrm>
+          <a:off x="0" y="0"/>
+          <a:ext cx="0" cy="0"/>
+          <a:chOff x="0" y="0"/>
+          <a:chExt cx="0" cy="0"/>
+        </a:xfrm>
+      </p:grpSpPr>
+      <p:sp>
+        <p:nvSpPr>
+          <p:cNvPr id="2" name="Slide Image Placeholder 1"/>
+          <p:cNvSpPr>
+            <a:spLocks noGrp="1" noRot="1" noChangeAspect="1"/>
+          </p:cNvSpPr>
+          <p:nvPr>
+            <p:ph type="sldImg"/>
+          </p:nvPr>
+        </p:nvSpPr>
+        <p:spPr/>
+      </p:sp>
+      <p:sp>
+        <p:nvSpPr>
+          <p:cNvPr id="3" name="Notes Placeholder 2"/>
+          <p:cNvSpPr>
+            <a:spLocks noGrp="1"/>
+          </p:cNvSpPr>
+          <p:nvPr>
+            <p:ph type="body" idx="1"/>
+          </p:nvPr>
+        </p:nvSpPr>
+        <p:spPr/>
+        <p:txBody>
+          <a:bodyPr/>
+          <a:lstStyle/>
+          <a:p>
+            <a:r>
+              <a:rPr lang="en-US" dirty="0"/>
+              <a:t/>
+            </a:r>
+            <a:endParaRPr lang="en-US" dirty="0"/>
+          </a:p>
+        </p:txBody>
+      </p:sp>
+      <p:sp>
+        <p:nvSpPr>
+          <p:cNvPr id="4" name="Slide Number Placeholder 3"/>
+          <p:cNvSpPr>
+            <a:spLocks noGrp="1"/>
+          </p:cNvSpPr>
+          <p:nvPr>
+            <p:ph type="sldNum" sz="quarter" idx="10"/>
+          </p:nvPr>
+        </p:nvSpPr>
+        <p:spPr/>
+        <p:txBody>
+          <a:bodyPr/>
+          <a:lstStyle/>
+          <a:p>
+            <a:fld id="{F7021451-1387-4CA6-816F-3879F97B5CBC}" type="slidenum">
+              <a:rPr lang="en-US"/>
+              <a:t>5</a:t>
+            </a:fld>
+            <a:endParaRPr lang="en-US"/>
+          </a:p>
+        </p:txBody>
+      </p:sp>
+    </p:spTree>
+    <p:extLst>
+      <p:ext uri="{BB962C8B-B14F-4D97-AF65-F5344CB8AC3E}">
+        <p14:creationId xmlns:p14="http://schemas.microsoft.com/office/powerpoint/2010/main" val="1024086991"/>
+      </p:ext>
+    </p:extLst>
+  </p:cSld>
+  <p:clrMapOvr>
+    <a:masterClrMapping/>
+  </p:clrMapOvr>
+</p:notes>
+</file>
+
+<file path=ppt/notesSlides/notesSlide6.xml><?xml version="1.0" encoding="utf-8"?>
+<p:notes xmlns:a="http://schemas.openxmlformats.org/drawingml/2006/main" xmlns:r="http://schemas.openxmlformats.org/officeDocument/2006/relationships" xmlns:p="http://schemas.openxmlformats.org/presentationml/2006/main">
+  <p:cSld>
+    <p:spTree>
+      <p:nvGrpSpPr>
+        <p:cNvPr id="1" name=""/>
+        <p:cNvGrpSpPr/>
+        <p:nvPr/>
+      </p:nvGrpSpPr>
+      <p:grpSpPr>
+        <a:xfrm>
+          <a:off x="0" y="0"/>
+          <a:ext cx="0" cy="0"/>
+          <a:chOff x="0" y="0"/>
+          <a:chExt cx="0" cy="0"/>
+        </a:xfrm>
+      </p:grpSpPr>
+      <p:sp>
+        <p:nvSpPr>
+          <p:cNvPr id="2" name="Slide Image Placeholder 1"/>
+          <p:cNvSpPr>
+            <a:spLocks noGrp="1" noRot="1" noChangeAspect="1"/>
+          </p:cNvSpPr>
+          <p:nvPr>
+            <p:ph type="sldImg"/>
+          </p:nvPr>
+        </p:nvSpPr>
+        <p:spPr/>
+      </p:sp>
+      <p:sp>
+        <p:nvSpPr>
+          <p:cNvPr id="3" name="Notes Placeholder 2"/>
+          <p:cNvSpPr>
+            <a:spLocks noGrp="1"/>
+          </p:cNvSpPr>
+          <p:nvPr>
+            <p:ph type="body" idx="1"/>
+          </p:nvPr>
+        </p:nvSpPr>
+        <p:spPr/>
+        <p:txBody>
+          <a:bodyPr/>
+          <a:lstStyle/>
+          <a:p>
+            <a:r>
+              <a:rPr lang="en-US" dirty="0"/>
+              <a:t/>
+            </a:r>
+            <a:endParaRPr lang="en-US" dirty="0"/>
+          </a:p>
+        </p:txBody>
+      </p:sp>
+      <p:sp>
+        <p:nvSpPr>
+          <p:cNvPr id="4" name="Slide Number Placeholder 3"/>
+          <p:cNvSpPr>
+            <a:spLocks noGrp="1"/>
+          </p:cNvSpPr>
+          <p:nvPr>
+            <p:ph type="sldNum" sz="quarter" idx="10"/>
+          </p:nvPr>
+        </p:nvSpPr>
+        <p:spPr/>
+        <p:txBody>
+          <a:bodyPr/>
+          <a:lstStyle/>
+          <a:p>
+            <a:fld id="{F7021451-1387-4CA6-816F-3879F97B5CBC}" type="slidenum">
+              <a:rPr lang="en-US"/>
+              <a:t>6</a:t>
+            </a:fld>
+            <a:endParaRPr lang="en-US"/>
+          </a:p>
+        </p:txBody>
+      </p:sp>
+    </p:spTree>
+    <p:extLst>
+      <p:ext uri="{BB962C8B-B14F-4D97-AF65-F5344CB8AC3E}">
+        <p14:creationId xmlns:p14="http://schemas.microsoft.com/office/powerpoint/2010/main" val="1024086991"/>
+      </p:ext>
+    </p:extLst>
+  </p:cSld>
+  <p:clrMapOvr>
+    <a:masterClrMapping/>
+  </p:clrMapOvr>
+</p:notes>
+</file>
+
+<file path=ppt/notesSlides/notesSlide7.xml><?xml version="1.0" encoding="utf-8"?>
+<p:notes xmlns:a="http://schemas.openxmlformats.org/drawingml/2006/main" xmlns:r="http://schemas.openxmlformats.org/officeDocument/2006/relationships" xmlns:p="http://schemas.openxmlformats.org/presentationml/2006/main">
+  <p:cSld>
+    <p:spTree>
+      <p:nvGrpSpPr>
+        <p:cNvPr id="1" name=""/>
+        <p:cNvGrpSpPr/>
+        <p:nvPr/>
+      </p:nvGrpSpPr>
+      <p:grpSpPr>
+        <a:xfrm>
+          <a:off x="0" y="0"/>
+          <a:ext cx="0" cy="0"/>
+          <a:chOff x="0" y="0"/>
+          <a:chExt cx="0" cy="0"/>
+        </a:xfrm>
+      </p:grpSpPr>
+      <p:sp>
+        <p:nvSpPr>
+          <p:cNvPr id="2" name="Slide Image Placeholder 1"/>
+          <p:cNvSpPr>
+            <a:spLocks noGrp="1" noRot="1" noChangeAspect="1"/>
+          </p:cNvSpPr>
+          <p:nvPr>
+            <p:ph type="sldImg"/>
+          </p:nvPr>
+        </p:nvSpPr>
+        <p:spPr/>
+      </p:sp>
+      <p:sp>
+        <p:nvSpPr>
+          <p:cNvPr id="3" name="Notes Placeholder 2"/>
+          <p:cNvSpPr>
+            <a:spLocks noGrp="1"/>
+          </p:cNvSpPr>
+          <p:nvPr>
+            <p:ph type="body" idx="1"/>
+          </p:nvPr>
+        </p:nvSpPr>
+        <p:spPr/>
+        <p:txBody>
+          <a:bodyPr/>
+          <a:lstStyle/>
+          <a:p>
+            <a:r>
+              <a:rPr lang="en-US" dirty="0"/>
+              <a:t/>
+            </a:r>
+            <a:endParaRPr lang="en-US" dirty="0"/>
+          </a:p>
+        </p:txBody>
+      </p:sp>
+      <p:sp>
+        <p:nvSpPr>
+          <p:cNvPr id="4" name="Slide Number Placeholder 3"/>
+          <p:cNvSpPr>
+            <a:spLocks noGrp="1"/>
+          </p:cNvSpPr>
+          <p:nvPr>
+            <p:ph type="sldNum" sz="quarter" idx="10"/>
+          </p:nvPr>
+        </p:nvSpPr>
+        <p:spPr/>
+        <p:txBody>
+          <a:bodyPr/>
+          <a:lstStyle/>
+          <a:p>
+            <a:fld id="{F7021451-1387-4CA6-816F-3879F97B5CBC}" type="slidenum">
+              <a:rPr lang="en-US"/>
+              <a:t>7</a:t>
+            </a:fld>
+            <a:endParaRPr lang="en-US"/>
+          </a:p>
+        </p:txBody>
+      </p:sp>
+    </p:spTree>
+    <p:extLst>
+      <p:ext uri="{BB962C8B-B14F-4D97-AF65-F5344CB8AC3E}">
+        <p14:creationId xmlns:p14="http://schemas.microsoft.com/office/powerpoint/2010/main" val="1024086991"/>
+      </p:ext>
+    </p:extLst>
+  </p:cSld>
+  <p:clrMapOvr>
+    <a:masterClrMapping/>
+  </p:clrMapOvr>
+</p:notes>
+</file>
+
+<file path=ppt/notesSlides/notesSlide8.xml><?xml version="1.0" encoding="utf-8"?>
+<p:notes xmlns:a="http://schemas.openxmlformats.org/drawingml/2006/main" xmlns:r="http://schemas.openxmlformats.org/officeDocument/2006/relationships" xmlns:p="http://schemas.openxmlformats.org/presentationml/2006/main">
+  <p:cSld>
+    <p:spTree>
+      <p:nvGrpSpPr>
+        <p:cNvPr id="1" name=""/>
+        <p:cNvGrpSpPr/>
+        <p:nvPr/>
+      </p:nvGrpSpPr>
+      <p:grpSpPr>
+        <a:xfrm>
+          <a:off x="0" y="0"/>
+          <a:ext cx="0" cy="0"/>
+          <a:chOff x="0" y="0"/>
+          <a:chExt cx="0" cy="0"/>
+        </a:xfrm>
+      </p:grpSpPr>
+      <p:sp>
+        <p:nvSpPr>
+          <p:cNvPr id="2" name="Slide Image Placeholder 1"/>
+          <p:cNvSpPr>
+            <a:spLocks noGrp="1" noRot="1" noChangeAspect="1"/>
+          </p:cNvSpPr>
+          <p:nvPr>
+            <p:ph type="sldImg"/>
+          </p:nvPr>
+        </p:nvSpPr>
+        <p:spPr/>
+      </p:sp>
+      <p:sp>
+        <p:nvSpPr>
+          <p:cNvPr id="3" name="Notes Placeholder 2"/>
+          <p:cNvSpPr>
+            <a:spLocks noGrp="1"/>
+          </p:cNvSpPr>
+          <p:nvPr>
+            <p:ph type="body" idx="1"/>
+          </p:nvPr>
+        </p:nvSpPr>
+        <p:spPr/>
+        <p:txBody>
+          <a:bodyPr/>
+          <a:lstStyle/>
+          <a:p>
+            <a:r>
+              <a:rPr lang="en-US" dirty="0"/>
+              <a:t/>
+            </a:r>
+            <a:endParaRPr lang="en-US" dirty="0"/>
+          </a:p>
+        </p:txBody>
+      </p:sp>
+      <p:sp>
+        <p:nvSpPr>
+          <p:cNvPr id="4" name="Slide Number Placeholder 3"/>
+          <p:cNvSpPr>
+            <a:spLocks noGrp="1"/>
+          </p:cNvSpPr>
+          <p:nvPr>
+            <p:ph type="sldNum" sz="quarter" idx="10"/>
+          </p:nvPr>
+        </p:nvSpPr>
+        <p:spPr/>
+        <p:txBody>
+          <a:bodyPr/>
+          <a:lstStyle/>
+          <a:p>
+            <a:fld id="{F7021451-1387-4CA6-816F-3879F97B5CBC}" type="slidenum">
+              <a:rPr lang="en-US"/>
+              <a:t>8</a:t>
+            </a:fld>
+            <a:endParaRPr lang="en-US"/>
+          </a:p>
+        </p:txBody>
+      </p:sp>
+    </p:spTree>
+    <p:extLst>
+      <p:ext uri="{BB962C8B-B14F-4D97-AF65-F5344CB8AC3E}">
+        <p14:creationId xmlns:p14="http://schemas.microsoft.com/office/powerpoint/2010/main" val="1024086991"/>
+      </p:ext>
+    </p:extLst>
+  </p:cSld>
+  <p:clrMapOvr>
+    <a:masterClrMapping/>
+  </p:clrMapOvr>
+</p:notes>
+</file>
+
+<file path=ppt/notesSlides/notesSlide9.xml><?xml version="1.0" encoding="utf-8"?>
+<p:notes xmlns:a="http://schemas.openxmlformats.org/drawingml/2006/main" xmlns:r="http://schemas.openxmlformats.org/officeDocument/2006/relationships" xmlns:p="http://schemas.openxmlformats.org/presentationml/2006/main">
+  <p:cSld>
+    <p:spTree>
+      <p:nvGrpSpPr>
+        <p:cNvPr id="1" name=""/>
+        <p:cNvGrpSpPr/>
+        <p:nvPr/>
+      </p:nvGrpSpPr>
+      <p:grpSpPr>
+        <a:xfrm>
+          <a:off x="0" y="0"/>
+          <a:ext cx="0" cy="0"/>
+          <a:chOff x="0" y="0"/>
+          <a:chExt cx="0" cy="0"/>
+        </a:xfrm>
+      </p:grpSpPr>
+      <p:sp>
+        <p:nvSpPr>
+          <p:cNvPr id="2" name="Slide Image Placeholder 1"/>
+          <p:cNvSpPr>
+            <a:spLocks noGrp="1" noRot="1" noChangeAspect="1"/>
+          </p:cNvSpPr>
+          <p:nvPr>
+            <p:ph type="sldImg"/>
+          </p:nvPr>
+        </p:nvSpPr>
+        <p:spPr/>
+      </p:sp>
+      <p:sp>
+        <p:nvSpPr>
+          <p:cNvPr id="3" name="Notes Placeholder 2"/>
+          <p:cNvSpPr>
+            <a:spLocks noGrp="1"/>
+          </p:cNvSpPr>
+          <p:nvPr>
+            <p:ph type="body" idx="1"/>
+          </p:nvPr>
+        </p:nvSpPr>
+        <p:spPr/>
+        <p:txBody>
+          <a:bodyPr/>
+          <a:lstStyle/>
+          <a:p>
+            <a:r>
+              <a:rPr lang="en-US" dirty="0"/>
+              <a:t/>
+            </a:r>
+            <a:endParaRPr lang="en-US" dirty="0"/>
+          </a:p>
+        </p:txBody>
+      </p:sp>
+      <p:sp>
+        <p:nvSpPr>
+          <p:cNvPr id="4" name="Slide Number Placeholder 3"/>
+          <p:cNvSpPr>
+            <a:spLocks noGrp="1"/>
+          </p:cNvSpPr>
+          <p:nvPr>
+            <p:ph type="sldNum" sz="quarter" idx="10"/>
+          </p:nvPr>
+        </p:nvSpPr>
+        <p:spPr/>
+        <p:txBody>
+          <a:bodyPr/>
+          <a:lstStyle/>
+          <a:p>
+            <a:fld id="{F7021451-1387-4CA6-816F-3879F97B5CBC}" type="slidenum">
+              <a:rPr lang="en-US"/>
+              <a:t>9</a:t>
             </a:fld>
             <a:endParaRPr lang="en-US"/>
           </a:p>
@@ -1144,7 +1767,7 @@
         <p:spPr>
           <a:xfrm>
             <a:off x="914400" y="914400"/>
-            <a:ext cx="7315200" cy="457200"/>
+            <a:ext cx="7315200" cy="182880"/>
           </a:xfrm>
           <a:prstGeom prst="rect">
             <a:avLst/>
@@ -1165,7 +1788,7 @@
                   <a:srgbClr val="000000"/>
                 </a:solidFill>
               </a:rPr>
-              <a:t>Hello,</a:t>
+              <a:t>Title of the presentation: "Enhancing F5 AS3 with ChatGPT or LLM"</a:t>
             </a:r>
             <a:endParaRPr lang="en-US" dirty="0"/>
           </a:p>
@@ -1179,8 +1802,8 @@
         </p:nvSpPr>
         <p:spPr>
           <a:xfrm>
-            <a:off x="914400" y="1828800"/>
-            <a:ext cx="7315200" cy="457200"/>
+            <a:off x="914400" y="1554480"/>
+            <a:ext cx="7315200" cy="182880"/>
           </a:xfrm>
           <a:prstGeom prst="rect">
             <a:avLst/>
@@ -1201,7 +1824,7 @@
                   <a:srgbClr val="000000"/>
                 </a:solidFill>
               </a:rPr>
-              <a:t>PowerPoint!</a:t>
+              <a:t>Slide 1: Title</a:t>
             </a:r>
             <a:endParaRPr lang="en-US" dirty="0"/>
           </a:p>
@@ -1215,8 +1838,8 @@
         </p:nvSpPr>
         <p:spPr>
           <a:xfrm>
-            <a:off x="914400" y="2743200"/>
-            <a:ext cx="7315200" cy="457200"/>
+            <a:off x="914400" y="2194560"/>
+            <a:ext cx="7315200" cy="182880"/>
           </a:xfrm>
           <a:prstGeom prst="rect">
             <a:avLst/>
@@ -1237,7 +1860,7 @@
                   <a:srgbClr val="000000"/>
                 </a:solidFill>
               </a:rPr>
-              <a:t>Welcome to</a:t>
+              <a:t>Title of the presentation: "Enhancing F5 AS3 with ChatGPT or LLM"</a:t>
             </a:r>
             <a:endParaRPr lang="en-US" dirty="0"/>
           </a:p>
@@ -1251,8 +1874,89 @@
         </p:nvSpPr>
         <p:spPr>
           <a:xfrm>
-            <a:off x="914400" y="3657600"/>
-            <a:ext cx="7315200" cy="457200"/>
+            <a:off x="914400" y="2834640"/>
+            <a:ext cx="7315200" cy="182880"/>
+          </a:xfrm>
+          <a:prstGeom prst="rect">
+            <a:avLst/>
+          </a:prstGeom>
+          <a:noFill/>
+          <a:ln/>
+        </p:spPr>
+        <p:txBody>
+          <a:bodyPr wrap="square" rtlCol="0" anchor="ctr"/>
+          <a:lstStyle/>
+          <a:p>
+            <a:pPr algn="l" indent="0" marL="0">
+              <a:buNone/>
+            </a:pPr>
+            <a:endParaRPr lang="en-US" dirty="0"/>
+          </a:p>
+        </p:txBody>
+      </p:sp>
+    </p:spTree>
+  </p:cSld>
+  <p:clrMapOvr>
+    <a:masterClrMapping/>
+  </p:clrMapOvr>
+</p:sld>
+</file>
+
+<file path=ppt/slides/slide10.xml><?xml version="1.0" encoding="utf-8"?>
+<p:sld xmlns:a="http://schemas.openxmlformats.org/drawingml/2006/main" xmlns:r="http://schemas.openxmlformats.org/officeDocument/2006/relationships" xmlns:p="http://schemas.openxmlformats.org/presentationml/2006/main">
+  <p:cSld name="Slide 10">
+    <p:spTree>
+      <p:nvGrpSpPr>
+        <p:cNvPr id="1" name=""/>
+        <p:cNvGrpSpPr/>
+        <p:nvPr/>
+      </p:nvGrpSpPr>
+      <p:grpSpPr>
+        <a:xfrm>
+          <a:off x="0" y="0"/>
+          <a:ext cx="0" cy="0"/>
+          <a:chOff x="0" y="0"/>
+          <a:chExt cx="0" cy="0"/>
+        </a:xfrm>
+      </p:grpSpPr>
+      <p:sp>
+        <p:nvSpPr>
+          <p:cNvPr id="2" name="Text 0"/>
+          <p:cNvSpPr/>
+          <p:nvPr/>
+        </p:nvSpPr>
+        <p:spPr>
+          <a:xfrm>
+            <a:off x="914400" y="914400"/>
+            <a:ext cx="7315200" cy="182880"/>
+          </a:xfrm>
+          <a:prstGeom prst="rect">
+            <a:avLst/>
+          </a:prstGeom>
+          <a:noFill/>
+          <a:ln/>
+        </p:spPr>
+        <p:txBody>
+          <a:bodyPr wrap="square" rtlCol="0" anchor="ctr"/>
+          <a:lstStyle/>
+          <a:p>
+            <a:pPr algn="l" indent="0" marL="0">
+              <a:buNone/>
+            </a:pPr>
+            <a:endParaRPr lang="en-US" dirty="0"/>
+          </a:p>
+        </p:txBody>
+      </p:sp>
+      <p:sp>
+        <p:nvSpPr>
+          <p:cNvPr id="3" name="Text 1"/>
+          <p:cNvSpPr/>
+          <p:nvPr/>
+        </p:nvSpPr>
+        <p:spPr>
+          <a:xfrm>
+            <a:off x="914400" y="1554480"/>
+            <a:ext cx="7315200" cy="182880"/>
           </a:xfrm>
           <a:prstGeom prst="rect">
             <a:avLst/>
@@ -1273,8 +1977,205 @@
                   <a:srgbClr val="000000"/>
                 </a:solidFill>
               </a:rPr>
-              <a:t>pptxgenjs!</a:t>
-            </a:r>
+              <a:t>Slide 10: Best Practices and Tips</a:t>
+            </a:r>
+            <a:endParaRPr lang="en-US" dirty="0"/>
+          </a:p>
+        </p:txBody>
+      </p:sp>
+      <p:sp>
+        <p:nvSpPr>
+          <p:cNvPr id="4" name="Text 2"/>
+          <p:cNvSpPr/>
+          <p:nvPr/>
+        </p:nvSpPr>
+        <p:spPr>
+          <a:xfrm>
+            <a:off x="914400" y="2194560"/>
+            <a:ext cx="7315200" cy="182880"/>
+          </a:xfrm>
+          <a:prstGeom prst="rect">
+            <a:avLst/>
+          </a:prstGeom>
+          <a:noFill/>
+          <a:ln/>
+        </p:spPr>
+        <p:txBody>
+          <a:bodyPr wrap="square" rtlCol="0" anchor="ctr"/>
+          <a:lstStyle/>
+          <a:p>
+            <a:pPr algn="l" indent="0" marL="0">
+              <a:buNone/>
+            </a:pPr>
+            <a:r>
+              <a:rPr lang="en-US" dirty="0">
+                <a:solidFill>
+                  <a:srgbClr val="000000"/>
+                </a:solidFill>
+              </a:rPr>
+              <a:t>Provide practical tips and best practices for leveraging ChatGPT or LLM in F5 AS3:</a:t>
+            </a:r>
+            <a:endParaRPr lang="en-US" dirty="0"/>
+          </a:p>
+        </p:txBody>
+      </p:sp>
+      <p:sp>
+        <p:nvSpPr>
+          <p:cNvPr id="5" name="Text 3"/>
+          <p:cNvSpPr/>
+          <p:nvPr/>
+        </p:nvSpPr>
+        <p:spPr>
+          <a:xfrm>
+            <a:off x="914400" y="2834640"/>
+            <a:ext cx="7315200" cy="182880"/>
+          </a:xfrm>
+          <a:prstGeom prst="rect">
+            <a:avLst/>
+          </a:prstGeom>
+          <a:noFill/>
+          <a:ln/>
+        </p:spPr>
+        <p:txBody>
+          <a:bodyPr wrap="square" rtlCol="0" anchor="ctr"/>
+          <a:lstStyle/>
+          <a:p>
+            <a:pPr algn="l" indent="0" marL="0">
+              <a:buNone/>
+            </a:pPr>
+            <a:r>
+              <a:rPr lang="en-US" dirty="0">
+                <a:solidFill>
+                  <a:srgbClr val="000000"/>
+                </a:solidFill>
+              </a:rPr>
+              <a:t>Use concise and specific prompts for accurate responses</a:t>
+            </a:r>
+            <a:endParaRPr lang="en-US" dirty="0"/>
+          </a:p>
+        </p:txBody>
+      </p:sp>
+    </p:spTree>
+  </p:cSld>
+  <p:clrMapOvr>
+    <a:masterClrMapping/>
+  </p:clrMapOvr>
+</p:sld>
+</file>
+
+<file path=ppt/slides/slide11.xml><?xml version="1.0" encoding="utf-8"?>
+<p:sld xmlns:a="http://schemas.openxmlformats.org/drawingml/2006/main" xmlns:r="http://schemas.openxmlformats.org/officeDocument/2006/relationships" xmlns:p="http://schemas.openxmlformats.org/presentationml/2006/main">
+  <p:cSld name="Slide 11">
+    <p:spTree>
+      <p:nvGrpSpPr>
+        <p:cNvPr id="1" name=""/>
+        <p:cNvGrpSpPr/>
+        <p:nvPr/>
+      </p:nvGrpSpPr>
+      <p:grpSpPr>
+        <a:xfrm>
+          <a:off x="0" y="0"/>
+          <a:ext cx="0" cy="0"/>
+          <a:chOff x="0" y="0"/>
+          <a:chExt cx="0" cy="0"/>
+        </a:xfrm>
+      </p:grpSpPr>
+      <p:sp>
+        <p:nvSpPr>
+          <p:cNvPr id="2" name="Text 0"/>
+          <p:cNvSpPr/>
+          <p:nvPr/>
+        </p:nvSpPr>
+        <p:spPr>
+          <a:xfrm>
+            <a:off x="914400" y="914400"/>
+            <a:ext cx="7315200" cy="182880"/>
+          </a:xfrm>
+          <a:prstGeom prst="rect">
+            <a:avLst/>
+          </a:prstGeom>
+          <a:noFill/>
+          <a:ln/>
+        </p:spPr>
+        <p:txBody>
+          <a:bodyPr wrap="square" rtlCol="0" anchor="ctr"/>
+          <a:lstStyle/>
+          <a:p>
+            <a:pPr algn="l" indent="0" marL="0">
+              <a:buNone/>
+            </a:pPr>
+            <a:r>
+              <a:rPr lang="en-US" dirty="0">
+                <a:solidFill>
+                  <a:srgbClr val="000000"/>
+                </a:solidFill>
+              </a:rPr>
+              <a:t>Validate generated configurations before deploying them</a:t>
+            </a:r>
+            <a:endParaRPr lang="en-US" dirty="0"/>
+          </a:p>
+        </p:txBody>
+      </p:sp>
+      <p:sp>
+        <p:nvSpPr>
+          <p:cNvPr id="3" name="Text 1"/>
+          <p:cNvSpPr/>
+          <p:nvPr/>
+        </p:nvSpPr>
+        <p:spPr>
+          <a:xfrm>
+            <a:off x="914400" y="1554480"/>
+            <a:ext cx="7315200" cy="182880"/>
+          </a:xfrm>
+          <a:prstGeom prst="rect">
+            <a:avLst/>
+          </a:prstGeom>
+          <a:noFill/>
+          <a:ln/>
+        </p:spPr>
+        <p:txBody>
+          <a:bodyPr wrap="square" rtlCol="0" anchor="ctr"/>
+          <a:lstStyle/>
+          <a:p>
+            <a:pPr algn="l" indent="0" marL="0">
+              <a:buNone/>
+            </a:pPr>
+            <a:r>
+              <a:rPr lang="en-US" dirty="0">
+                <a:solidFill>
+                  <a:srgbClr val="000000"/>
+                </a:solidFill>
+              </a:rPr>
+              <a:t>Incorporate user feedback to continuously improve the model</a:t>
+            </a:r>
+            <a:endParaRPr lang="en-US" dirty="0"/>
+          </a:p>
+        </p:txBody>
+      </p:sp>
+      <p:sp>
+        <p:nvSpPr>
+          <p:cNvPr id="4" name="Text 2"/>
+          <p:cNvSpPr/>
+          <p:nvPr/>
+        </p:nvSpPr>
+        <p:spPr>
+          <a:xfrm>
+            <a:off x="914400" y="2194560"/>
+            <a:ext cx="7315200" cy="182880"/>
+          </a:xfrm>
+          <a:prstGeom prst="rect">
+            <a:avLst/>
+          </a:prstGeom>
+          <a:noFill/>
+          <a:ln/>
+        </p:spPr>
+        <p:txBody>
+          <a:bodyPr wrap="square" rtlCol="0" anchor="ctr"/>
+          <a:lstStyle/>
+          <a:p>
+            <a:pPr algn="l" indent="0" marL="0">
+              <a:buNone/>
+            </a:pPr>
             <a:endParaRPr lang="en-US" dirty="0"/>
           </a:p>
         </p:txBody>
@@ -1313,7 +2214,7 @@
         <p:spPr>
           <a:xfrm>
             <a:off x="914400" y="914400"/>
-            <a:ext cx="7315200" cy="457200"/>
+            <a:ext cx="7315200" cy="182880"/>
           </a:xfrm>
           <a:prstGeom prst="rect">
             <a:avLst/>
@@ -1334,7 +2235,7 @@
                   <a:srgbClr val="000000"/>
                 </a:solidFill>
               </a:rPr>
-              <a:t>This</a:t>
+              <a:t>Slide 2: Introduction</a:t>
             </a:r>
             <a:endParaRPr lang="en-US" dirty="0"/>
           </a:p>
@@ -1348,8 +2249,8 @@
         </p:nvSpPr>
         <p:spPr>
           <a:xfrm>
-            <a:off x="914400" y="1828800"/>
-            <a:ext cx="7315200" cy="457200"/>
+            <a:off x="914400" y="1554480"/>
+            <a:ext cx="7315200" cy="182880"/>
           </a:xfrm>
           <a:prstGeom prst="rect">
             <a:avLst/>
@@ -1370,7 +2271,7 @@
                   <a:srgbClr val="000000"/>
                 </a:solidFill>
               </a:rPr>
-              <a:t>is</a:t>
+              <a:t>Introduction to F5 AS3 (Application Services 3)</a:t>
             </a:r>
             <a:endParaRPr lang="en-US" dirty="0"/>
           </a:p>
@@ -1384,8 +2285,8 @@
         </p:nvSpPr>
         <p:spPr>
           <a:xfrm>
-            <a:off x="914400" y="2743200"/>
-            <a:ext cx="7315200" cy="457200"/>
+            <a:off x="914400" y="2194560"/>
+            <a:ext cx="7315200" cy="182880"/>
           </a:xfrm>
           <a:prstGeom prst="rect">
             <a:avLst/>
@@ -1406,7 +2307,7 @@
                   <a:srgbClr val="000000"/>
                 </a:solidFill>
               </a:rPr>
-              <a:t>a</a:t>
+              <a:t>Brief overview of the challenges faced in managing F5 AS3 configurations</a:t>
             </a:r>
             <a:endParaRPr lang="en-US" dirty="0"/>
           </a:p>
@@ -1420,30 +2321,22 @@
         </p:nvSpPr>
         <p:spPr>
           <a:xfrm>
-            <a:off x="914400" y="3657600"/>
-            <a:ext cx="7315200" cy="457200"/>
-          </a:xfrm>
-          <a:prstGeom prst="rect">
-            <a:avLst/>
-          </a:prstGeom>
-          <a:noFill/>
-          <a:ln/>
-        </p:spPr>
-        <p:txBody>
-          <a:bodyPr wrap="square" rtlCol="0" anchor="ctr"/>
-          <a:lstStyle/>
-          <a:p>
-            <a:pPr algn="l" indent="0" marL="0">
-              <a:buNone/>
-            </a:pPr>
-            <a:r>
-              <a:rPr lang="en-US" dirty="0">
-                <a:solidFill>
-                  <a:srgbClr val="000000"/>
-                </a:solidFill>
-              </a:rPr>
-              <a:t>slide.</a:t>
-            </a:r>
+            <a:off x="914400" y="2834640"/>
+            <a:ext cx="7315200" cy="182880"/>
+          </a:xfrm>
+          <a:prstGeom prst="rect">
+            <a:avLst/>
+          </a:prstGeom>
+          <a:noFill/>
+          <a:ln/>
+        </p:spPr>
+        <p:txBody>
+          <a:bodyPr wrap="square" rtlCol="0" anchor="ctr"/>
+          <a:lstStyle/>
+          <a:p>
+            <a:pPr algn="l" indent="0" marL="0">
+              <a:buNone/>
+            </a:pPr>
             <a:endParaRPr lang="en-US" dirty="0"/>
           </a:p>
         </p:txBody>
@@ -1482,7 +2375,7 @@
         <p:spPr>
           <a:xfrm>
             <a:off x="914400" y="914400"/>
-            <a:ext cx="7315200" cy="457200"/>
+            <a:ext cx="7315200" cy="182880"/>
           </a:xfrm>
           <a:prstGeom prst="rect">
             <a:avLst/>
@@ -1503,7 +2396,7 @@
                   <a:srgbClr val="000000"/>
                 </a:solidFill>
               </a:rPr>
-              <a:t>Another</a:t>
+              <a:t>Slide 3: What is ChatGPT or LLM?</a:t>
             </a:r>
             <a:endParaRPr lang="en-US" dirty="0"/>
           </a:p>
@@ -1517,8 +2410,8 @@
         </p:nvSpPr>
         <p:spPr>
           <a:xfrm>
-            <a:off x="914400" y="1828800"/>
-            <a:ext cx="7315200" cy="457200"/>
+            <a:off x="914400" y="1554480"/>
+            <a:ext cx="7315200" cy="182880"/>
           </a:xfrm>
           <a:prstGeom prst="rect">
             <a:avLst/>
@@ -1539,7 +2432,7 @@
                   <a:srgbClr val="000000"/>
                 </a:solidFill>
               </a:rPr>
-              <a:t>slide</a:t>
+              <a:t>Explanation of ChatGPT or LLM as a powerful language model developed by OpenAI</a:t>
             </a:r>
             <a:endParaRPr lang="en-US" dirty="0"/>
           </a:p>
@@ -1553,8 +2446,8 @@
         </p:nvSpPr>
         <p:spPr>
           <a:xfrm>
-            <a:off x="914400" y="2743200"/>
-            <a:ext cx="7315200" cy="457200"/>
+            <a:off x="914400" y="2194560"/>
+            <a:ext cx="7315200" cy="182880"/>
           </a:xfrm>
           <a:prstGeom prst="rect">
             <a:avLst/>
@@ -1575,7 +2468,7 @@
                   <a:srgbClr val="000000"/>
                 </a:solidFill>
               </a:rPr>
-              <a:t>begins</a:t>
+              <a:t>Highlight the capabilities of ChatGPT or LLM in understanding and generating human-like text</a:t>
             </a:r>
             <a:endParaRPr lang="en-US" dirty="0"/>
           </a:p>
@@ -1589,30 +2482,22 @@
         </p:nvSpPr>
         <p:spPr>
           <a:xfrm>
-            <a:off x="914400" y="3657600"/>
-            <a:ext cx="7315200" cy="457200"/>
-          </a:xfrm>
-          <a:prstGeom prst="rect">
-            <a:avLst/>
-          </a:prstGeom>
-          <a:noFill/>
-          <a:ln/>
-        </p:spPr>
-        <p:txBody>
-          <a:bodyPr wrap="square" rtlCol="0" anchor="ctr"/>
-          <a:lstStyle/>
-          <a:p>
-            <a:pPr algn="l" indent="0" marL="0">
-              <a:buNone/>
-            </a:pPr>
-            <a:r>
-              <a:rPr lang="en-US" dirty="0">
-                <a:solidFill>
-                  <a:srgbClr val="000000"/>
-                </a:solidFill>
-              </a:rPr>
-              <a:t>here.</a:t>
-            </a:r>
+            <a:off x="914400" y="2834640"/>
+            <a:ext cx="7315200" cy="182880"/>
+          </a:xfrm>
+          <a:prstGeom prst="rect">
+            <a:avLst/>
+          </a:prstGeom>
+          <a:noFill/>
+          <a:ln/>
+        </p:spPr>
+        <p:txBody>
+          <a:bodyPr wrap="square" rtlCol="0" anchor="ctr"/>
+          <a:lstStyle/>
+          <a:p>
+            <a:pPr algn="l" indent="0" marL="0">
+              <a:buNone/>
+            </a:pPr>
             <a:endParaRPr lang="en-US" dirty="0"/>
           </a:p>
         </p:txBody>
@@ -1642,6 +2527,947 @@
           <a:chExt cx="0" cy="0"/>
         </a:xfrm>
       </p:grpSpPr>
+      <p:sp>
+        <p:nvSpPr>
+          <p:cNvPr id="2" name="Text 0"/>
+          <p:cNvSpPr/>
+          <p:nvPr/>
+        </p:nvSpPr>
+        <p:spPr>
+          <a:xfrm>
+            <a:off x="914400" y="914400"/>
+            <a:ext cx="7315200" cy="182880"/>
+          </a:xfrm>
+          <a:prstGeom prst="rect">
+            <a:avLst/>
+          </a:prstGeom>
+          <a:noFill/>
+          <a:ln/>
+        </p:spPr>
+        <p:txBody>
+          <a:bodyPr wrap="square" rtlCol="0" anchor="ctr"/>
+          <a:lstStyle/>
+          <a:p>
+            <a:pPr algn="l" indent="0" marL="0">
+              <a:buNone/>
+            </a:pPr>
+            <a:r>
+              <a:rPr lang="en-US" dirty="0">
+                <a:solidFill>
+                  <a:srgbClr val="000000"/>
+                </a:solidFill>
+              </a:rPr>
+              <a:t>Slide 4: Leveraging ChatGPT or LLM for F5 AS3</a:t>
+            </a:r>
+            <a:endParaRPr lang="en-US" dirty="0"/>
+          </a:p>
+        </p:txBody>
+      </p:sp>
+      <p:sp>
+        <p:nvSpPr>
+          <p:cNvPr id="3" name="Text 1"/>
+          <p:cNvSpPr/>
+          <p:nvPr/>
+        </p:nvSpPr>
+        <p:spPr>
+          <a:xfrm>
+            <a:off x="914400" y="1554480"/>
+            <a:ext cx="7315200" cy="182880"/>
+          </a:xfrm>
+          <a:prstGeom prst="rect">
+            <a:avLst/>
+          </a:prstGeom>
+          <a:noFill/>
+          <a:ln/>
+        </p:spPr>
+        <p:txBody>
+          <a:bodyPr wrap="square" rtlCol="0" anchor="ctr"/>
+          <a:lstStyle/>
+          <a:p>
+            <a:pPr algn="l" indent="0" marL="0">
+              <a:buNone/>
+            </a:pPr>
+            <a:r>
+              <a:rPr lang="en-US" dirty="0">
+                <a:solidFill>
+                  <a:srgbClr val="000000"/>
+                </a:solidFill>
+              </a:rPr>
+              <a:t>Explain how ChatGPT or LLM can be utilized to enhance F5 AS3 management</a:t>
+            </a:r>
+            <a:endParaRPr lang="en-US" dirty="0"/>
+          </a:p>
+        </p:txBody>
+      </p:sp>
+      <p:sp>
+        <p:nvSpPr>
+          <p:cNvPr id="4" name="Text 2"/>
+          <p:cNvSpPr/>
+          <p:nvPr/>
+        </p:nvSpPr>
+        <p:spPr>
+          <a:xfrm>
+            <a:off x="914400" y="2194560"/>
+            <a:ext cx="7315200" cy="182880"/>
+          </a:xfrm>
+          <a:prstGeom prst="rect">
+            <a:avLst/>
+          </a:prstGeom>
+          <a:noFill/>
+          <a:ln/>
+        </p:spPr>
+        <p:txBody>
+          <a:bodyPr wrap="square" rtlCol="0" anchor="ctr"/>
+          <a:lstStyle/>
+          <a:p>
+            <a:pPr algn="l" indent="0" marL="0">
+              <a:buNone/>
+            </a:pPr>
+            <a:r>
+              <a:rPr lang="en-US" dirty="0">
+                <a:solidFill>
+                  <a:srgbClr val="000000"/>
+                </a:solidFill>
+              </a:rPr>
+              <a:t>Benefits of using ChatGPT or LLM for F5 AS3</a:t>
+            </a:r>
+            <a:endParaRPr lang="en-US" dirty="0"/>
+          </a:p>
+        </p:txBody>
+      </p:sp>
+      <p:sp>
+        <p:nvSpPr>
+          <p:cNvPr id="5" name="Text 3"/>
+          <p:cNvSpPr/>
+          <p:nvPr/>
+        </p:nvSpPr>
+        <p:spPr>
+          <a:xfrm>
+            <a:off x="914400" y="2834640"/>
+            <a:ext cx="7315200" cy="182880"/>
+          </a:xfrm>
+          <a:prstGeom prst="rect">
+            <a:avLst/>
+          </a:prstGeom>
+          <a:noFill/>
+          <a:ln/>
+        </p:spPr>
+        <p:txBody>
+          <a:bodyPr wrap="square" rtlCol="0" anchor="ctr"/>
+          <a:lstStyle/>
+          <a:p>
+            <a:pPr algn="l" indent="0" marL="0">
+              <a:buNone/>
+            </a:pPr>
+            <a:endParaRPr lang="en-US" dirty="0"/>
+          </a:p>
+        </p:txBody>
+      </p:sp>
+    </p:spTree>
+  </p:cSld>
+  <p:clrMapOvr>
+    <a:masterClrMapping/>
+  </p:clrMapOvr>
+</p:sld>
+</file>
+
+<file path=ppt/slides/slide5.xml><?xml version="1.0" encoding="utf-8"?>
+<p:sld xmlns:a="http://schemas.openxmlformats.org/drawingml/2006/main" xmlns:r="http://schemas.openxmlformats.org/officeDocument/2006/relationships" xmlns:p="http://schemas.openxmlformats.org/presentationml/2006/main">
+  <p:cSld name="Slide 5">
+    <p:spTree>
+      <p:nvGrpSpPr>
+        <p:cNvPr id="1" name=""/>
+        <p:cNvGrpSpPr/>
+        <p:nvPr/>
+      </p:nvGrpSpPr>
+      <p:grpSpPr>
+        <a:xfrm>
+          <a:off x="0" y="0"/>
+          <a:ext cx="0" cy="0"/>
+          <a:chOff x="0" y="0"/>
+          <a:chExt cx="0" cy="0"/>
+        </a:xfrm>
+      </p:grpSpPr>
+      <p:sp>
+        <p:nvSpPr>
+          <p:cNvPr id="2" name="Text 0"/>
+          <p:cNvSpPr/>
+          <p:nvPr/>
+        </p:nvSpPr>
+        <p:spPr>
+          <a:xfrm>
+            <a:off x="914400" y="914400"/>
+            <a:ext cx="7315200" cy="182880"/>
+          </a:xfrm>
+          <a:prstGeom prst="rect">
+            <a:avLst/>
+          </a:prstGeom>
+          <a:noFill/>
+          <a:ln/>
+        </p:spPr>
+        <p:txBody>
+          <a:bodyPr wrap="square" rtlCol="0" anchor="ctr"/>
+          <a:lstStyle/>
+          <a:p>
+            <a:pPr algn="l" indent="0" marL="0">
+              <a:buNone/>
+            </a:pPr>
+            <a:r>
+              <a:rPr lang="en-US" dirty="0">
+                <a:solidFill>
+                  <a:srgbClr val="000000"/>
+                </a:solidFill>
+              </a:rPr>
+              <a:t>Slide 5: Use Cases for ChatGPT or LLM in F5 AS3</a:t>
+            </a:r>
+            <a:endParaRPr lang="en-US" dirty="0"/>
+          </a:p>
+        </p:txBody>
+      </p:sp>
+      <p:sp>
+        <p:nvSpPr>
+          <p:cNvPr id="3" name="Text 1"/>
+          <p:cNvSpPr/>
+          <p:nvPr/>
+        </p:nvSpPr>
+        <p:spPr>
+          <a:xfrm>
+            <a:off x="914400" y="1554480"/>
+            <a:ext cx="7315200" cy="182880"/>
+          </a:xfrm>
+          <a:prstGeom prst="rect">
+            <a:avLst/>
+          </a:prstGeom>
+          <a:noFill/>
+          <a:ln/>
+        </p:spPr>
+        <p:txBody>
+          <a:bodyPr wrap="square" rtlCol="0" anchor="ctr"/>
+          <a:lstStyle/>
+          <a:p>
+            <a:pPr algn="l" indent="0" marL="0">
+              <a:buNone/>
+            </a:pPr>
+            <a:r>
+              <a:rPr lang="en-US" dirty="0">
+                <a:solidFill>
+                  <a:srgbClr val="000000"/>
+                </a:solidFill>
+              </a:rPr>
+              <a:t>Demonstrate different scenarios where ChatGPT or LLM can be applied in F5 AS3 management:</a:t>
+            </a:r>
+            <a:endParaRPr lang="en-US" dirty="0"/>
+          </a:p>
+        </p:txBody>
+      </p:sp>
+      <p:sp>
+        <p:nvSpPr>
+          <p:cNvPr id="4" name="Text 2"/>
+          <p:cNvSpPr/>
+          <p:nvPr/>
+        </p:nvSpPr>
+        <p:spPr>
+          <a:xfrm>
+            <a:off x="914400" y="2194560"/>
+            <a:ext cx="7315200" cy="182880"/>
+          </a:xfrm>
+          <a:prstGeom prst="rect">
+            <a:avLst/>
+          </a:prstGeom>
+          <a:noFill/>
+          <a:ln/>
+        </p:spPr>
+        <p:txBody>
+          <a:bodyPr wrap="square" rtlCol="0" anchor="ctr"/>
+          <a:lstStyle/>
+          <a:p>
+            <a:pPr algn="l" indent="0" marL="0">
+              <a:buNone/>
+            </a:pPr>
+            <a:r>
+              <a:rPr lang="en-US" dirty="0">
+                <a:solidFill>
+                  <a:srgbClr val="000000"/>
+                </a:solidFill>
+              </a:rPr>
+              <a:t>Automated configuration generation</a:t>
+            </a:r>
+            <a:endParaRPr lang="en-US" dirty="0"/>
+          </a:p>
+        </p:txBody>
+      </p:sp>
+      <p:sp>
+        <p:nvSpPr>
+          <p:cNvPr id="5" name="Text 3"/>
+          <p:cNvSpPr/>
+          <p:nvPr/>
+        </p:nvSpPr>
+        <p:spPr>
+          <a:xfrm>
+            <a:off x="914400" y="2834640"/>
+            <a:ext cx="7315200" cy="182880"/>
+          </a:xfrm>
+          <a:prstGeom prst="rect">
+            <a:avLst/>
+          </a:prstGeom>
+          <a:noFill/>
+          <a:ln/>
+        </p:spPr>
+        <p:txBody>
+          <a:bodyPr wrap="square" rtlCol="0" anchor="ctr"/>
+          <a:lstStyle/>
+          <a:p>
+            <a:pPr algn="l" indent="0" marL="0">
+              <a:buNone/>
+            </a:pPr>
+            <a:r>
+              <a:rPr lang="en-US" dirty="0">
+                <a:solidFill>
+                  <a:srgbClr val="000000"/>
+                </a:solidFill>
+              </a:rPr>
+              <a:t>Natural language-based troubleshooting</a:t>
+            </a:r>
+            <a:endParaRPr lang="en-US" dirty="0"/>
+          </a:p>
+        </p:txBody>
+      </p:sp>
+    </p:spTree>
+  </p:cSld>
+  <p:clrMapOvr>
+    <a:masterClrMapping/>
+  </p:clrMapOvr>
+</p:sld>
+</file>
+
+<file path=ppt/slides/slide6.xml><?xml version="1.0" encoding="utf-8"?>
+<p:sld xmlns:a="http://schemas.openxmlformats.org/drawingml/2006/main" xmlns:r="http://schemas.openxmlformats.org/officeDocument/2006/relationships" xmlns:p="http://schemas.openxmlformats.org/presentationml/2006/main">
+  <p:cSld name="Slide 6">
+    <p:spTree>
+      <p:nvGrpSpPr>
+        <p:cNvPr id="1" name=""/>
+        <p:cNvGrpSpPr/>
+        <p:nvPr/>
+      </p:nvGrpSpPr>
+      <p:grpSpPr>
+        <a:xfrm>
+          <a:off x="0" y="0"/>
+          <a:ext cx="0" cy="0"/>
+          <a:chOff x="0" y="0"/>
+          <a:chExt cx="0" cy="0"/>
+        </a:xfrm>
+      </p:grpSpPr>
+      <p:sp>
+        <p:nvSpPr>
+          <p:cNvPr id="2" name="Text 0"/>
+          <p:cNvSpPr/>
+          <p:nvPr/>
+        </p:nvSpPr>
+        <p:spPr>
+          <a:xfrm>
+            <a:off x="914400" y="914400"/>
+            <a:ext cx="7315200" cy="182880"/>
+          </a:xfrm>
+          <a:prstGeom prst="rect">
+            <a:avLst/>
+          </a:prstGeom>
+          <a:noFill/>
+          <a:ln/>
+        </p:spPr>
+        <p:txBody>
+          <a:bodyPr wrap="square" rtlCol="0" anchor="ctr"/>
+          <a:lstStyle/>
+          <a:p>
+            <a:pPr algn="l" indent="0" marL="0">
+              <a:buNone/>
+            </a:pPr>
+            <a:endParaRPr lang="en-US" dirty="0"/>
+          </a:p>
+        </p:txBody>
+      </p:sp>
+      <p:sp>
+        <p:nvSpPr>
+          <p:cNvPr id="3" name="Text 1"/>
+          <p:cNvSpPr/>
+          <p:nvPr/>
+        </p:nvSpPr>
+        <p:spPr>
+          <a:xfrm>
+            <a:off x="914400" y="1554480"/>
+            <a:ext cx="7315200" cy="182880"/>
+          </a:xfrm>
+          <a:prstGeom prst="rect">
+            <a:avLst/>
+          </a:prstGeom>
+          <a:noFill/>
+          <a:ln/>
+        </p:spPr>
+        <p:txBody>
+          <a:bodyPr wrap="square" rtlCol="0" anchor="ctr"/>
+          <a:lstStyle/>
+          <a:p>
+            <a:pPr algn="l" indent="0" marL="0">
+              <a:buNone/>
+            </a:pPr>
+            <a:r>
+              <a:rPr lang="en-US" dirty="0">
+                <a:solidFill>
+                  <a:srgbClr val="000000"/>
+                </a:solidFill>
+              </a:rPr>
+              <a:t>Slide 6: Policy optimization and recommendations</a:t>
+            </a:r>
+            <a:endParaRPr lang="en-US" dirty="0"/>
+          </a:p>
+        </p:txBody>
+      </p:sp>
+      <p:sp>
+        <p:nvSpPr>
+          <p:cNvPr id="4" name="Text 2"/>
+          <p:cNvSpPr/>
+          <p:nvPr/>
+        </p:nvSpPr>
+        <p:spPr>
+          <a:xfrm>
+            <a:off x="914400" y="2194560"/>
+            <a:ext cx="7315200" cy="182880"/>
+          </a:xfrm>
+          <a:prstGeom prst="rect">
+            <a:avLst/>
+          </a:prstGeom>
+          <a:noFill/>
+          <a:ln/>
+        </p:spPr>
+        <p:txBody>
+          <a:bodyPr wrap="square" rtlCol="0" anchor="ctr"/>
+          <a:lstStyle/>
+          <a:p>
+            <a:pPr algn="l" indent="0" marL="0">
+              <a:buNone/>
+            </a:pPr>
+            <a:r>
+              <a:rPr lang="en-US" dirty="0">
+                <a:solidFill>
+                  <a:srgbClr val="000000"/>
+                </a:solidFill>
+              </a:rPr>
+              <a:t>Interactive assistance for administrators</a:t>
+            </a:r>
+            <a:endParaRPr lang="en-US" dirty="0"/>
+          </a:p>
+        </p:txBody>
+      </p:sp>
+      <p:sp>
+        <p:nvSpPr>
+          <p:cNvPr id="5" name="Text 3"/>
+          <p:cNvSpPr/>
+          <p:nvPr/>
+        </p:nvSpPr>
+        <p:spPr>
+          <a:xfrm>
+            <a:off x="914400" y="2834640"/>
+            <a:ext cx="7315200" cy="182880"/>
+          </a:xfrm>
+          <a:prstGeom prst="rect">
+            <a:avLst/>
+          </a:prstGeom>
+          <a:noFill/>
+          <a:ln/>
+        </p:spPr>
+        <p:txBody>
+          <a:bodyPr wrap="square" rtlCol="0" anchor="ctr"/>
+          <a:lstStyle/>
+          <a:p>
+            <a:pPr algn="l" indent="0" marL="0">
+              <a:buNone/>
+            </a:pPr>
+            <a:endParaRPr lang="en-US" dirty="0"/>
+          </a:p>
+        </p:txBody>
+      </p:sp>
+    </p:spTree>
+  </p:cSld>
+  <p:clrMapOvr>
+    <a:masterClrMapping/>
+  </p:clrMapOvr>
+</p:sld>
+</file>
+
+<file path=ppt/slides/slide7.xml><?xml version="1.0" encoding="utf-8"?>
+<p:sld xmlns:a="http://schemas.openxmlformats.org/drawingml/2006/main" xmlns:r="http://schemas.openxmlformats.org/officeDocument/2006/relationships" xmlns:p="http://schemas.openxmlformats.org/presentationml/2006/main">
+  <p:cSld name="Slide 7">
+    <p:spTree>
+      <p:nvGrpSpPr>
+        <p:cNvPr id="1" name=""/>
+        <p:cNvGrpSpPr/>
+        <p:nvPr/>
+      </p:nvGrpSpPr>
+      <p:grpSpPr>
+        <a:xfrm>
+          <a:off x="0" y="0"/>
+          <a:ext cx="0" cy="0"/>
+          <a:chOff x="0" y="0"/>
+          <a:chExt cx="0" cy="0"/>
+        </a:xfrm>
+      </p:grpSpPr>
+      <p:sp>
+        <p:nvSpPr>
+          <p:cNvPr id="2" name="Text 0"/>
+          <p:cNvSpPr/>
+          <p:nvPr/>
+        </p:nvSpPr>
+        <p:spPr>
+          <a:xfrm>
+            <a:off x="914400" y="914400"/>
+            <a:ext cx="7315200" cy="182880"/>
+          </a:xfrm>
+          <a:prstGeom prst="rect">
+            <a:avLst/>
+          </a:prstGeom>
+          <a:noFill/>
+          <a:ln/>
+        </p:spPr>
+        <p:txBody>
+          <a:bodyPr wrap="square" rtlCol="0" anchor="ctr"/>
+          <a:lstStyle/>
+          <a:p>
+            <a:pPr algn="l" indent="0" marL="0">
+              <a:buNone/>
+            </a:pPr>
+            <a:endParaRPr lang="en-US" dirty="0"/>
+          </a:p>
+        </p:txBody>
+      </p:sp>
+      <p:sp>
+        <p:nvSpPr>
+          <p:cNvPr id="3" name="Text 1"/>
+          <p:cNvSpPr/>
+          <p:nvPr/>
+        </p:nvSpPr>
+        <p:spPr>
+          <a:xfrm>
+            <a:off x="914400" y="1554480"/>
+            <a:ext cx="7315200" cy="182880"/>
+          </a:xfrm>
+          <a:prstGeom prst="rect">
+            <a:avLst/>
+          </a:prstGeom>
+          <a:noFill/>
+          <a:ln/>
+        </p:spPr>
+        <p:txBody>
+          <a:bodyPr wrap="square" rtlCol="0" anchor="ctr"/>
+          <a:lstStyle/>
+          <a:p>
+            <a:pPr algn="l" indent="0" marL="0">
+              <a:buNone/>
+            </a:pPr>
+            <a:r>
+              <a:rPr lang="en-US" dirty="0">
+                <a:solidFill>
+                  <a:srgbClr val="000000"/>
+                </a:solidFill>
+              </a:rPr>
+              <a:t>Slide 7: Implementation Considerations</a:t>
+            </a:r>
+            <a:endParaRPr lang="en-US" dirty="0"/>
+          </a:p>
+        </p:txBody>
+      </p:sp>
+      <p:sp>
+        <p:nvSpPr>
+          <p:cNvPr id="4" name="Text 2"/>
+          <p:cNvSpPr/>
+          <p:nvPr/>
+        </p:nvSpPr>
+        <p:spPr>
+          <a:xfrm>
+            <a:off x="914400" y="2194560"/>
+            <a:ext cx="7315200" cy="182880"/>
+          </a:xfrm>
+          <a:prstGeom prst="rect">
+            <a:avLst/>
+          </a:prstGeom>
+          <a:noFill/>
+          <a:ln/>
+        </p:spPr>
+        <p:txBody>
+          <a:bodyPr wrap="square" rtlCol="0" anchor="ctr"/>
+          <a:lstStyle/>
+          <a:p>
+            <a:pPr algn="l" indent="0" marL="0">
+              <a:buNone/>
+            </a:pPr>
+            <a:r>
+              <a:rPr lang="en-US" dirty="0">
+                <a:solidFill>
+                  <a:srgbClr val="000000"/>
+                </a:solidFill>
+              </a:rPr>
+              <a:t>Discuss the factors to consider when implementing ChatGPT or LLM for F5 AS3:</a:t>
+            </a:r>
+            <a:endParaRPr lang="en-US" dirty="0"/>
+          </a:p>
+        </p:txBody>
+      </p:sp>
+      <p:sp>
+        <p:nvSpPr>
+          <p:cNvPr id="5" name="Text 3"/>
+          <p:cNvSpPr/>
+          <p:nvPr/>
+        </p:nvSpPr>
+        <p:spPr>
+          <a:xfrm>
+            <a:off x="914400" y="2834640"/>
+            <a:ext cx="7315200" cy="182880"/>
+          </a:xfrm>
+          <a:prstGeom prst="rect">
+            <a:avLst/>
+          </a:prstGeom>
+          <a:noFill/>
+          <a:ln/>
+        </p:spPr>
+        <p:txBody>
+          <a:bodyPr wrap="square" rtlCol="0" anchor="ctr"/>
+          <a:lstStyle/>
+          <a:p>
+            <a:pPr algn="l" indent="0" marL="0">
+              <a:buNone/>
+            </a:pPr>
+            <a:r>
+              <a:rPr lang="en-US" dirty="0">
+                <a:solidFill>
+                  <a:srgbClr val="000000"/>
+                </a:solidFill>
+              </a:rPr>
+              <a:t>Training data: Explain the importance of relevant and high-quality training data</a:t>
+            </a:r>
+            <a:endParaRPr lang="en-US" dirty="0"/>
+          </a:p>
+        </p:txBody>
+      </p:sp>
+    </p:spTree>
+  </p:cSld>
+  <p:clrMapOvr>
+    <a:masterClrMapping/>
+  </p:clrMapOvr>
+</p:sld>
+</file>
+
+<file path=ppt/slides/slide8.xml><?xml version="1.0" encoding="utf-8"?>
+<p:sld xmlns:a="http://schemas.openxmlformats.org/drawingml/2006/main" xmlns:r="http://schemas.openxmlformats.org/officeDocument/2006/relationships" xmlns:p="http://schemas.openxmlformats.org/presentationml/2006/main">
+  <p:cSld name="Slide 8">
+    <p:spTree>
+      <p:nvGrpSpPr>
+        <p:cNvPr id="1" name=""/>
+        <p:cNvGrpSpPr/>
+        <p:nvPr/>
+      </p:nvGrpSpPr>
+      <p:grpSpPr>
+        <a:xfrm>
+          <a:off x="0" y="0"/>
+          <a:ext cx="0" cy="0"/>
+          <a:chOff x="0" y="0"/>
+          <a:chExt cx="0" cy="0"/>
+        </a:xfrm>
+      </p:grpSpPr>
+      <p:sp>
+        <p:nvSpPr>
+          <p:cNvPr id="2" name="Text 0"/>
+          <p:cNvSpPr/>
+          <p:nvPr/>
+        </p:nvSpPr>
+        <p:spPr>
+          <a:xfrm>
+            <a:off x="914400" y="914400"/>
+            <a:ext cx="7315200" cy="182880"/>
+          </a:xfrm>
+          <a:prstGeom prst="rect">
+            <a:avLst/>
+          </a:prstGeom>
+          <a:noFill/>
+          <a:ln/>
+        </p:spPr>
+        <p:txBody>
+          <a:bodyPr wrap="square" rtlCol="0" anchor="ctr"/>
+          <a:lstStyle/>
+          <a:p>
+            <a:pPr algn="l" indent="0" marL="0">
+              <a:buNone/>
+            </a:pPr>
+            <a:r>
+              <a:rPr lang="en-US" dirty="0">
+                <a:solidFill>
+                  <a:srgbClr val="000000"/>
+                </a:solidFill>
+              </a:rPr>
+              <a:t>Fine-tuning: Highlight the process of fine-tuning ChatGPT or LLM for specific F5 AS3 tasks</a:t>
+            </a:r>
+            <a:endParaRPr lang="en-US" dirty="0"/>
+          </a:p>
+        </p:txBody>
+      </p:sp>
+      <p:sp>
+        <p:nvSpPr>
+          <p:cNvPr id="3" name="Text 1"/>
+          <p:cNvSpPr/>
+          <p:nvPr/>
+        </p:nvSpPr>
+        <p:spPr>
+          <a:xfrm>
+            <a:off x="914400" y="1554480"/>
+            <a:ext cx="7315200" cy="182880"/>
+          </a:xfrm>
+          <a:prstGeom prst="rect">
+            <a:avLst/>
+          </a:prstGeom>
+          <a:noFill/>
+          <a:ln/>
+        </p:spPr>
+        <p:txBody>
+          <a:bodyPr wrap="square" rtlCol="0" anchor="ctr"/>
+          <a:lstStyle/>
+          <a:p>
+            <a:pPr algn="l" indent="0" marL="0">
+              <a:buNone/>
+            </a:pPr>
+            <a:r>
+              <a:rPr lang="en-US" dirty="0">
+                <a:solidFill>
+                  <a:srgbClr val="000000"/>
+                </a:solidFill>
+              </a:rPr>
+              <a:t>Slide 8:</a:t>
+            </a:r>
+            <a:endParaRPr lang="en-US" dirty="0"/>
+          </a:p>
+        </p:txBody>
+      </p:sp>
+      <p:sp>
+        <p:nvSpPr>
+          <p:cNvPr id="4" name="Text 2"/>
+          <p:cNvSpPr/>
+          <p:nvPr/>
+        </p:nvSpPr>
+        <p:spPr>
+          <a:xfrm>
+            <a:off x="914400" y="2194560"/>
+            <a:ext cx="7315200" cy="182880"/>
+          </a:xfrm>
+          <a:prstGeom prst="rect">
+            <a:avLst/>
+          </a:prstGeom>
+          <a:noFill/>
+          <a:ln/>
+        </p:spPr>
+        <p:txBody>
+          <a:bodyPr wrap="square" rtlCol="0" anchor="ctr"/>
+          <a:lstStyle/>
+          <a:p>
+            <a:pPr algn="l" indent="0" marL="0">
+              <a:buNone/>
+            </a:pPr>
+            <a:r>
+              <a:rPr lang="en-US" dirty="0">
+                <a:solidFill>
+                  <a:srgbClr val="000000"/>
+                </a:solidFill>
+              </a:rPr>
+              <a:t>Model deployment: Discuss different deployment options, such as cloud-based or on-premises</a:t>
+            </a:r>
+            <a:endParaRPr lang="en-US" dirty="0"/>
+          </a:p>
+        </p:txBody>
+      </p:sp>
+      <p:sp>
+        <p:nvSpPr>
+          <p:cNvPr id="5" name="Text 3"/>
+          <p:cNvSpPr/>
+          <p:nvPr/>
+        </p:nvSpPr>
+        <p:spPr>
+          <a:xfrm>
+            <a:off x="914400" y="2834640"/>
+            <a:ext cx="7315200" cy="182880"/>
+          </a:xfrm>
+          <a:prstGeom prst="rect">
+            <a:avLst/>
+          </a:prstGeom>
+          <a:noFill/>
+          <a:ln/>
+        </p:spPr>
+        <p:txBody>
+          <a:bodyPr wrap="square" rtlCol="0" anchor="ctr"/>
+          <a:lstStyle/>
+          <a:p>
+            <a:pPr algn="l" indent="0" marL="0">
+              <a:buNone/>
+            </a:pPr>
+            <a:endParaRPr lang="en-US" dirty="0"/>
+          </a:p>
+        </p:txBody>
+      </p:sp>
+    </p:spTree>
+  </p:cSld>
+  <p:clrMapOvr>
+    <a:masterClrMapping/>
+  </p:clrMapOvr>
+</p:sld>
+</file>
+
+<file path=ppt/slides/slide9.xml><?xml version="1.0" encoding="utf-8"?>
+<p:sld xmlns:a="http://schemas.openxmlformats.org/drawingml/2006/main" xmlns:r="http://schemas.openxmlformats.org/officeDocument/2006/relationships" xmlns:p="http://schemas.openxmlformats.org/presentationml/2006/main">
+  <p:cSld name="Slide 9">
+    <p:spTree>
+      <p:nvGrpSpPr>
+        <p:cNvPr id="1" name=""/>
+        <p:cNvGrpSpPr/>
+        <p:nvPr/>
+      </p:nvGrpSpPr>
+      <p:grpSpPr>
+        <a:xfrm>
+          <a:off x="0" y="0"/>
+          <a:ext cx="0" cy="0"/>
+          <a:chOff x="0" y="0"/>
+          <a:chExt cx="0" cy="0"/>
+        </a:xfrm>
+      </p:grpSpPr>
+      <p:sp>
+        <p:nvSpPr>
+          <p:cNvPr id="2" name="Text 0"/>
+          <p:cNvSpPr/>
+          <p:nvPr/>
+        </p:nvSpPr>
+        <p:spPr>
+          <a:xfrm>
+            <a:off x="914400" y="914400"/>
+            <a:ext cx="7315200" cy="182880"/>
+          </a:xfrm>
+          <a:prstGeom prst="rect">
+            <a:avLst/>
+          </a:prstGeom>
+          <a:noFill/>
+          <a:ln/>
+        </p:spPr>
+        <p:txBody>
+          <a:bodyPr wrap="square" rtlCol="0" anchor="ctr"/>
+          <a:lstStyle/>
+          <a:p>
+            <a:pPr algn="l" indent="0" marL="0">
+              <a:buNone/>
+            </a:pPr>
+            <a:endParaRPr lang="en-US" dirty="0"/>
+          </a:p>
+        </p:txBody>
+      </p:sp>
+      <p:sp>
+        <p:nvSpPr>
+          <p:cNvPr id="3" name="Text 1"/>
+          <p:cNvSpPr/>
+          <p:nvPr/>
+        </p:nvSpPr>
+        <p:spPr>
+          <a:xfrm>
+            <a:off x="914400" y="1554480"/>
+            <a:ext cx="7315200" cy="182880"/>
+          </a:xfrm>
+          <a:prstGeom prst="rect">
+            <a:avLst/>
+          </a:prstGeom>
+          <a:noFill/>
+          <a:ln/>
+        </p:spPr>
+        <p:txBody>
+          <a:bodyPr wrap="square" rtlCol="0" anchor="ctr"/>
+          <a:lstStyle/>
+          <a:p>
+            <a:pPr algn="l" indent="0" marL="0">
+              <a:buNone/>
+            </a:pPr>
+            <a:r>
+              <a:rPr lang="en-US" dirty="0">
+                <a:solidFill>
+                  <a:srgbClr val="000000"/>
+                </a:solidFill>
+              </a:rPr>
+              <a:t>Slide 9: Integration with F5 AS3 Workflow</a:t>
+            </a:r>
+            <a:endParaRPr lang="en-US" dirty="0"/>
+          </a:p>
+        </p:txBody>
+      </p:sp>
+      <p:sp>
+        <p:nvSpPr>
+          <p:cNvPr id="4" name="Text 2"/>
+          <p:cNvSpPr/>
+          <p:nvPr/>
+        </p:nvSpPr>
+        <p:spPr>
+          <a:xfrm>
+            <a:off x="914400" y="2194560"/>
+            <a:ext cx="7315200" cy="182880"/>
+          </a:xfrm>
+          <a:prstGeom prst="rect">
+            <a:avLst/>
+          </a:prstGeom>
+          <a:noFill/>
+          <a:ln/>
+        </p:spPr>
+        <p:txBody>
+          <a:bodyPr wrap="square" rtlCol="0" anchor="ctr"/>
+          <a:lstStyle/>
+          <a:p>
+            <a:pPr algn="l" indent="0" marL="0">
+              <a:buNone/>
+            </a:pPr>
+            <a:r>
+              <a:rPr lang="en-US" dirty="0">
+                <a:solidFill>
+                  <a:srgbClr val="000000"/>
+                </a:solidFill>
+              </a:rPr>
+              <a:t>Illustrate how ChatGPT or LLM can seamlessly integrate with existing F5 AS3 workflows</a:t>
+            </a:r>
+            <a:endParaRPr lang="en-US" dirty="0"/>
+          </a:p>
+        </p:txBody>
+      </p:sp>
+      <p:sp>
+        <p:nvSpPr>
+          <p:cNvPr id="5" name="Text 3"/>
+          <p:cNvSpPr/>
+          <p:nvPr/>
+        </p:nvSpPr>
+        <p:spPr>
+          <a:xfrm>
+            <a:off x="914400" y="2834640"/>
+            <a:ext cx="7315200" cy="182880"/>
+          </a:xfrm>
+          <a:prstGeom prst="rect">
+            <a:avLst/>
+          </a:prstGeom>
+          <a:noFill/>
+          <a:ln/>
+        </p:spPr>
+        <p:txBody>
+          <a:bodyPr wrap="square" rtlCol="0" anchor="ctr"/>
+          <a:lstStyle/>
+          <a:p>
+            <a:pPr algn="l" indent="0" marL="0">
+              <a:buNone/>
+            </a:pPr>
+            <a:r>
+              <a:rPr lang="en-US" dirty="0">
+                <a:solidFill>
+                  <a:srgbClr val="000000"/>
+                </a:solidFill>
+              </a:rPr>
+              <a:t>Showcase the interaction between ChatGPT or LLM and F5 AS3 management tools</a:t>
+            </a:r>
+            <a:endParaRPr lang="en-US" dirty="0"/>
+          </a:p>
+        </p:txBody>
+      </p:sp>
     </p:spTree>
   </p:cSld>
   <p:clrMapOvr>
